--- a/Milestone 2 Presentation.pptx
+++ b/Milestone 2 Presentation.pptx
@@ -15,6 +15,7 @@
     <p:sldId id="264" r:id="rId9"/>
     <p:sldId id="265" r:id="rId10"/>
     <p:sldId id="266" r:id="rId11"/>
+    <p:sldId id="267" r:id="rId12"/>
   </p:sldIdLst>
   <p:sldSz cx="12192000" cy="6858000"/>
   <p:notesSz cx="6858000" cy="9144000"/>
@@ -113,6 +114,11 @@
       </a:defRPr>
     </a:lvl9pPr>
   </p:defaultTextStyle>
+  <p:extLst>
+    <p:ext uri="{EFAFB233-063F-42B5-8137-9DF3F51BA10A}">
+      <p15:sldGuideLst xmlns:p15="http://schemas.microsoft.com/office/powerpoint/2012/main"/>
+    </p:ext>
+  </p:extLst>
 </p:presentation>
 </file>
 
@@ -6513,6 +6519,96 @@
 </p:sld>
 </file>
 
+<file path=ppt/slides/slide11.xml><?xml version="1.0" encoding="utf-8"?>
+<p:sld xmlns:a="http://schemas.openxmlformats.org/drawingml/2006/main" xmlns:r="http://schemas.openxmlformats.org/officeDocument/2006/relationships" xmlns:p="http://schemas.openxmlformats.org/presentationml/2006/main">
+  <p:cSld>
+    <p:spTree>
+      <p:nvGrpSpPr>
+        <p:cNvPr id="1" name=""/>
+        <p:cNvGrpSpPr/>
+        <p:nvPr/>
+      </p:nvGrpSpPr>
+      <p:grpSpPr>
+        <a:xfrm>
+          <a:off x="0" y="0"/>
+          <a:ext cx="0" cy="0"/>
+          <a:chOff x="0" y="0"/>
+          <a:chExt cx="0" cy="0"/>
+        </a:xfrm>
+      </p:grpSpPr>
+      <p:sp>
+        <p:nvSpPr>
+          <p:cNvPr id="2" name="Title 1">
+            <a:extLst>
+              <a:ext uri="{FF2B5EF4-FFF2-40B4-BE49-F238E27FC236}">
+                <a16:creationId xmlns:a16="http://schemas.microsoft.com/office/drawing/2014/main" id="{8030BCE0-85EB-4DE8-B88F-F3D6CE1611CA}"/>
+              </a:ext>
+            </a:extLst>
+          </p:cNvPr>
+          <p:cNvSpPr>
+            <a:spLocks noGrp="1"/>
+          </p:cNvSpPr>
+          <p:nvPr>
+            <p:ph type="title"/>
+          </p:nvPr>
+        </p:nvSpPr>
+        <p:spPr/>
+        <p:txBody>
+          <a:bodyPr/>
+          <a:lstStyle/>
+          <a:p>
+            <a:r>
+              <a:rPr lang="en-CA" dirty="0"/>
+              <a:t>Storage</a:t>
+            </a:r>
+          </a:p>
+        </p:txBody>
+      </p:sp>
+      <p:sp>
+        <p:nvSpPr>
+          <p:cNvPr id="3" name="Content Placeholder 2">
+            <a:extLst>
+              <a:ext uri="{FF2B5EF4-FFF2-40B4-BE49-F238E27FC236}">
+                <a16:creationId xmlns:a16="http://schemas.microsoft.com/office/drawing/2014/main" id="{074A8601-A539-4237-B373-E1B87ECA6E73}"/>
+              </a:ext>
+            </a:extLst>
+          </p:cNvPr>
+          <p:cNvSpPr>
+            <a:spLocks noGrp="1"/>
+          </p:cNvSpPr>
+          <p:nvPr>
+            <p:ph idx="1"/>
+          </p:nvPr>
+        </p:nvSpPr>
+        <p:spPr/>
+        <p:txBody>
+          <a:bodyPr/>
+          <a:lstStyle/>
+          <a:p>
+            <a:r>
+              <a:rPr lang="en-CA" dirty="0"/>
+              <a:t>Each time the live data is pulled from the APIs, it will be store in a table and updated each time the user refreshed </a:t>
+            </a:r>
+            <a:r>
+              <a:rPr lang="en-CA"/>
+              <a:t>the application.</a:t>
+            </a:r>
+          </a:p>
+        </p:txBody>
+      </p:sp>
+    </p:spTree>
+    <p:extLst>
+      <p:ext uri="{BB962C8B-B14F-4D97-AF65-F5344CB8AC3E}">
+        <p14:creationId xmlns:p14="http://schemas.microsoft.com/office/powerpoint/2010/main" val="4264610213"/>
+      </p:ext>
+    </p:extLst>
+  </p:cSld>
+  <p:clrMapOvr>
+    <a:masterClrMapping/>
+  </p:clrMapOvr>
+</p:sld>
+</file>
+
 <file path=ppt/slides/slide2.xml><?xml version="1.0" encoding="utf-8"?>
 <p:sld xmlns:a="http://schemas.openxmlformats.org/drawingml/2006/main" xmlns:r="http://schemas.openxmlformats.org/officeDocument/2006/relationships" xmlns:p="http://schemas.openxmlformats.org/presentationml/2006/main">
   <p:cSld>

--- a/Milestone 2 Presentation.pptx
+++ b/Milestone 2 Presentation.pptx
@@ -308,7 +308,7 @@
           <a:p>
             <a:fld id="{09269806-7F87-4C76-B288-F90ED5BB92A3}" type="datetimeFigureOut">
               <a:rPr lang="en-CA" smtClean="0"/>
-              <a:t>11/14/2020</a:t>
+              <a:t>11/18/2020</a:t>
             </a:fld>
             <a:endParaRPr lang="en-CA"/>
           </a:p>
@@ -583,7 +583,7 @@
           <a:p>
             <a:fld id="{09269806-7F87-4C76-B288-F90ED5BB92A3}" type="datetimeFigureOut">
               <a:rPr lang="en-CA" smtClean="0"/>
-              <a:t>11/14/2020</a:t>
+              <a:t>11/18/2020</a:t>
             </a:fld>
             <a:endParaRPr lang="en-CA"/>
           </a:p>
@@ -777,7 +777,7 @@
           <a:p>
             <a:fld id="{09269806-7F87-4C76-B288-F90ED5BB92A3}" type="datetimeFigureOut">
               <a:rPr lang="en-CA" smtClean="0"/>
-              <a:t>11/14/2020</a:t>
+              <a:t>11/18/2020</a:t>
             </a:fld>
             <a:endParaRPr lang="en-CA"/>
           </a:p>
@@ -1050,7 +1050,7 @@
           <a:p>
             <a:fld id="{09269806-7F87-4C76-B288-F90ED5BB92A3}" type="datetimeFigureOut">
               <a:rPr lang="en-CA" smtClean="0"/>
-              <a:t>11/14/2020</a:t>
+              <a:t>11/18/2020</a:t>
             </a:fld>
             <a:endParaRPr lang="en-CA"/>
           </a:p>
@@ -1391,7 +1391,7 @@
           <a:p>
             <a:fld id="{09269806-7F87-4C76-B288-F90ED5BB92A3}" type="datetimeFigureOut">
               <a:rPr lang="en-CA" smtClean="0"/>
-              <a:t>11/14/2020</a:t>
+              <a:t>11/18/2020</a:t>
             </a:fld>
             <a:endParaRPr lang="en-CA"/>
           </a:p>
@@ -2014,7 +2014,7 @@
           <a:p>
             <a:fld id="{09269806-7F87-4C76-B288-F90ED5BB92A3}" type="datetimeFigureOut">
               <a:rPr lang="en-CA" smtClean="0"/>
-              <a:t>11/14/2020</a:t>
+              <a:t>11/18/2020</a:t>
             </a:fld>
             <a:endParaRPr lang="en-CA"/>
           </a:p>
@@ -2874,7 +2874,7 @@
           <a:p>
             <a:fld id="{09269806-7F87-4C76-B288-F90ED5BB92A3}" type="datetimeFigureOut">
               <a:rPr lang="en-CA" smtClean="0"/>
-              <a:t>11/14/2020</a:t>
+              <a:t>11/18/2020</a:t>
             </a:fld>
             <a:endParaRPr lang="en-CA"/>
           </a:p>
@@ -3044,7 +3044,7 @@
           <a:p>
             <a:fld id="{09269806-7F87-4C76-B288-F90ED5BB92A3}" type="datetimeFigureOut">
               <a:rPr lang="en-CA" smtClean="0"/>
-              <a:t>11/14/2020</a:t>
+              <a:t>11/18/2020</a:t>
             </a:fld>
             <a:endParaRPr lang="en-CA"/>
           </a:p>
@@ -3224,7 +3224,7 @@
           <a:p>
             <a:fld id="{09269806-7F87-4C76-B288-F90ED5BB92A3}" type="datetimeFigureOut">
               <a:rPr lang="en-CA" smtClean="0"/>
-              <a:t>11/14/2020</a:t>
+              <a:t>11/18/2020</a:t>
             </a:fld>
             <a:endParaRPr lang="en-CA"/>
           </a:p>
@@ -3394,7 +3394,7 @@
           <a:p>
             <a:fld id="{09269806-7F87-4C76-B288-F90ED5BB92A3}" type="datetimeFigureOut">
               <a:rPr lang="en-CA" smtClean="0"/>
-              <a:t>11/14/2020</a:t>
+              <a:t>11/18/2020</a:t>
             </a:fld>
             <a:endParaRPr lang="en-CA"/>
           </a:p>
@@ -3641,7 +3641,7 @@
           <a:p>
             <a:fld id="{09269806-7F87-4C76-B288-F90ED5BB92A3}" type="datetimeFigureOut">
               <a:rPr lang="en-CA" smtClean="0"/>
-              <a:t>11/14/2020</a:t>
+              <a:t>11/18/2020</a:t>
             </a:fld>
             <a:endParaRPr lang="en-CA"/>
           </a:p>
@@ -3933,7 +3933,7 @@
           <a:p>
             <a:fld id="{09269806-7F87-4C76-B288-F90ED5BB92A3}" type="datetimeFigureOut">
               <a:rPr lang="en-CA" smtClean="0"/>
-              <a:t>11/14/2020</a:t>
+              <a:t>11/18/2020</a:t>
             </a:fld>
             <a:endParaRPr lang="en-CA"/>
           </a:p>
@@ -4377,7 +4377,7 @@
           <a:p>
             <a:fld id="{09269806-7F87-4C76-B288-F90ED5BB92A3}" type="datetimeFigureOut">
               <a:rPr lang="en-CA" smtClean="0"/>
-              <a:t>11/14/2020</a:t>
+              <a:t>11/18/2020</a:t>
             </a:fld>
             <a:endParaRPr lang="en-CA"/>
           </a:p>
@@ -4495,7 +4495,7 @@
           <a:p>
             <a:fld id="{09269806-7F87-4C76-B288-F90ED5BB92A3}" type="datetimeFigureOut">
               <a:rPr lang="en-CA" smtClean="0"/>
-              <a:t>11/14/2020</a:t>
+              <a:t>11/18/2020</a:t>
             </a:fld>
             <a:endParaRPr lang="en-CA"/>
           </a:p>
@@ -4590,7 +4590,7 @@
           <a:p>
             <a:fld id="{09269806-7F87-4C76-B288-F90ED5BB92A3}" type="datetimeFigureOut">
               <a:rPr lang="en-CA" smtClean="0"/>
-              <a:t>11/14/2020</a:t>
+              <a:t>11/18/2020</a:t>
             </a:fld>
             <a:endParaRPr lang="en-CA"/>
           </a:p>
@@ -4869,7 +4869,7 @@
           <a:p>
             <a:fld id="{09269806-7F87-4C76-B288-F90ED5BB92A3}" type="datetimeFigureOut">
               <a:rPr lang="en-CA" smtClean="0"/>
-              <a:t>11/14/2020</a:t>
+              <a:t>11/18/2020</a:t>
             </a:fld>
             <a:endParaRPr lang="en-CA"/>
           </a:p>
@@ -5144,7 +5144,7 @@
           <a:p>
             <a:fld id="{09269806-7F87-4C76-B288-F90ED5BB92A3}" type="datetimeFigureOut">
               <a:rPr lang="en-CA" smtClean="0"/>
-              <a:t>11/14/2020</a:t>
+              <a:t>11/18/2020</a:t>
             </a:fld>
             <a:endParaRPr lang="en-CA"/>
           </a:p>
@@ -5573,7 +5573,7 @@
           <a:p>
             <a:fld id="{09269806-7F87-4C76-B288-F90ED5BB92A3}" type="datetimeFigureOut">
               <a:rPr lang="en-CA" smtClean="0"/>
-              <a:t>11/14/2020</a:t>
+              <a:t>11/18/2020</a:t>
             </a:fld>
             <a:endParaRPr lang="en-CA"/>
           </a:p>
@@ -6522,6 +6522,30 @@
 <file path=ppt/slides/slide11.xml><?xml version="1.0" encoding="utf-8"?>
 <p:sld xmlns:a="http://schemas.openxmlformats.org/drawingml/2006/main" xmlns:r="http://schemas.openxmlformats.org/officeDocument/2006/relationships" xmlns:p="http://schemas.openxmlformats.org/presentationml/2006/main">
   <p:cSld>
+    <p:bg>
+      <p:bgPr>
+        <a:blipFill rotWithShape="1">
+          <a:blip r:embed="rId2">
+            <a:duotone>
+              <a:schemeClr val="bg2">
+                <a:shade val="69000"/>
+                <a:hueMod val="108000"/>
+                <a:satMod val="164000"/>
+                <a:lumMod val="74000"/>
+              </a:schemeClr>
+              <a:schemeClr val="bg2">
+                <a:tint val="96000"/>
+                <a:hueMod val="88000"/>
+                <a:satMod val="140000"/>
+                <a:lumMod val="132000"/>
+              </a:schemeClr>
+            </a:duotone>
+          </a:blip>
+          <a:stretch/>
+        </a:blipFill>
+        <a:effectLst/>
+      </p:bgPr>
+    </p:bg>
     <p:spTree>
       <p:nvGrpSpPr>
         <p:cNvPr id="1" name=""/>
@@ -6552,9 +6576,16 @@
             <p:ph type="title"/>
           </p:nvPr>
         </p:nvSpPr>
-        <p:spPr/>
-        <p:txBody>
-          <a:bodyPr/>
+        <p:spPr>
+          <a:xfrm>
+            <a:off x="646111" y="452718"/>
+            <a:ext cx="9404723" cy="1400530"/>
+          </a:xfrm>
+        </p:spPr>
+        <p:txBody>
+          <a:bodyPr>
+            <a:normAutofit/>
+          </a:bodyPr>
           <a:lstStyle/>
           <a:p>
             <a:r>
@@ -6580,9 +6611,16 @@
             <p:ph idx="1"/>
           </p:nvPr>
         </p:nvSpPr>
-        <p:spPr/>
-        <p:txBody>
-          <a:bodyPr/>
+        <p:spPr>
+          <a:xfrm>
+            <a:off x="1103313" y="2052918"/>
+            <a:ext cx="3300836" cy="4195481"/>
+          </a:xfrm>
+        </p:spPr>
+        <p:txBody>
+          <a:bodyPr>
+            <a:normAutofit/>
+          </a:bodyPr>
           <a:lstStyle/>
           <a:p>
             <a:r>
@@ -6596,6 +6634,78 @@
           </a:p>
         </p:txBody>
       </p:sp>
+      <p:pic>
+        <p:nvPicPr>
+          <p:cNvPr id="4" name="Picture 3">
+            <a:extLst>
+              <a:ext uri="{FF2B5EF4-FFF2-40B4-BE49-F238E27FC236}">
+                <a16:creationId xmlns:a16="http://schemas.microsoft.com/office/drawing/2014/main" id="{5786F9B7-3813-40B7-AD5C-A40BF5A113F4}"/>
+              </a:ext>
+            </a:extLst>
+          </p:cNvPr>
+          <p:cNvPicPr>
+            <a:picLocks noChangeAspect="1"/>
+          </p:cNvPicPr>
+          <p:nvPr/>
+        </p:nvPicPr>
+        <p:blipFill rotWithShape="1">
+          <a:blip r:embed="rId3"/>
+          <a:srcRect r="1" b="6659"/>
+          <a:stretch/>
+        </p:blipFill>
+        <p:spPr>
+          <a:xfrm>
+            <a:off x="6311593" y="1239895"/>
+            <a:ext cx="2695025" cy="4637027"/>
+          </a:xfrm>
+          <a:prstGeom prst="rect">
+            <a:avLst/>
+          </a:prstGeom>
+          <a:effectLst>
+            <a:outerShdw blurRad="50800" dist="38100" dir="5400000" algn="t" rotWithShape="0">
+              <a:prstClr val="black">
+                <a:alpha val="43000"/>
+              </a:prstClr>
+            </a:outerShdw>
+          </a:effectLst>
+        </p:spPr>
+      </p:pic>
+      <p:pic>
+        <p:nvPicPr>
+          <p:cNvPr id="5" name="Picture 4">
+            <a:extLst>
+              <a:ext uri="{FF2B5EF4-FFF2-40B4-BE49-F238E27FC236}">
+                <a16:creationId xmlns:a16="http://schemas.microsoft.com/office/drawing/2014/main" id="{041691EE-D0B5-44B1-A6E7-337720F9EB41}"/>
+              </a:ext>
+            </a:extLst>
+          </p:cNvPr>
+          <p:cNvPicPr>
+            <a:picLocks noChangeAspect="1"/>
+          </p:cNvPicPr>
+          <p:nvPr/>
+        </p:nvPicPr>
+        <p:blipFill rotWithShape="1">
+          <a:blip r:embed="rId4"/>
+          <a:srcRect t="6601" r="-1" b="678"/>
+          <a:stretch/>
+        </p:blipFill>
+        <p:spPr>
+          <a:xfrm>
+            <a:off x="9186614" y="1239895"/>
+            <a:ext cx="2700585" cy="4637027"/>
+          </a:xfrm>
+          <a:prstGeom prst="rect">
+            <a:avLst/>
+          </a:prstGeom>
+          <a:effectLst>
+            <a:outerShdw blurRad="50800" dist="38100" dir="5400000" algn="t" rotWithShape="0">
+              <a:prstClr val="black">
+                <a:alpha val="43000"/>
+              </a:prstClr>
+            </a:outerShdw>
+          </a:effectLst>
+        </p:spPr>
+      </p:pic>
     </p:spTree>
     <p:extLst>
       <p:ext uri="{BB962C8B-B14F-4D97-AF65-F5344CB8AC3E}">

--- a/Milestone 2 Presentation.pptx
+++ b/Milestone 2 Presentation.pptx
@@ -308,7 +308,7 @@
           <a:p>
             <a:fld id="{09269806-7F87-4C76-B288-F90ED5BB92A3}" type="datetimeFigureOut">
               <a:rPr lang="en-CA" smtClean="0"/>
-              <a:t>11/18/2020</a:t>
+              <a:t>11/14/2020</a:t>
             </a:fld>
             <a:endParaRPr lang="en-CA"/>
           </a:p>
@@ -583,7 +583,7 @@
           <a:p>
             <a:fld id="{09269806-7F87-4C76-B288-F90ED5BB92A3}" type="datetimeFigureOut">
               <a:rPr lang="en-CA" smtClean="0"/>
-              <a:t>11/18/2020</a:t>
+              <a:t>11/14/2020</a:t>
             </a:fld>
             <a:endParaRPr lang="en-CA"/>
           </a:p>
@@ -777,7 +777,7 @@
           <a:p>
             <a:fld id="{09269806-7F87-4C76-B288-F90ED5BB92A3}" type="datetimeFigureOut">
               <a:rPr lang="en-CA" smtClean="0"/>
-              <a:t>11/18/2020</a:t>
+              <a:t>11/14/2020</a:t>
             </a:fld>
             <a:endParaRPr lang="en-CA"/>
           </a:p>
@@ -1050,7 +1050,7 @@
           <a:p>
             <a:fld id="{09269806-7F87-4C76-B288-F90ED5BB92A3}" type="datetimeFigureOut">
               <a:rPr lang="en-CA" smtClean="0"/>
-              <a:t>11/18/2020</a:t>
+              <a:t>11/14/2020</a:t>
             </a:fld>
             <a:endParaRPr lang="en-CA"/>
           </a:p>
@@ -1391,7 +1391,7 @@
           <a:p>
             <a:fld id="{09269806-7F87-4C76-B288-F90ED5BB92A3}" type="datetimeFigureOut">
               <a:rPr lang="en-CA" smtClean="0"/>
-              <a:t>11/18/2020</a:t>
+              <a:t>11/14/2020</a:t>
             </a:fld>
             <a:endParaRPr lang="en-CA"/>
           </a:p>
@@ -2014,7 +2014,7 @@
           <a:p>
             <a:fld id="{09269806-7F87-4C76-B288-F90ED5BB92A3}" type="datetimeFigureOut">
               <a:rPr lang="en-CA" smtClean="0"/>
-              <a:t>11/18/2020</a:t>
+              <a:t>11/14/2020</a:t>
             </a:fld>
             <a:endParaRPr lang="en-CA"/>
           </a:p>
@@ -2874,7 +2874,7 @@
           <a:p>
             <a:fld id="{09269806-7F87-4C76-B288-F90ED5BB92A3}" type="datetimeFigureOut">
               <a:rPr lang="en-CA" smtClean="0"/>
-              <a:t>11/18/2020</a:t>
+              <a:t>11/14/2020</a:t>
             </a:fld>
             <a:endParaRPr lang="en-CA"/>
           </a:p>
@@ -3044,7 +3044,7 @@
           <a:p>
             <a:fld id="{09269806-7F87-4C76-B288-F90ED5BB92A3}" type="datetimeFigureOut">
               <a:rPr lang="en-CA" smtClean="0"/>
-              <a:t>11/18/2020</a:t>
+              <a:t>11/14/2020</a:t>
             </a:fld>
             <a:endParaRPr lang="en-CA"/>
           </a:p>
@@ -3224,7 +3224,7 @@
           <a:p>
             <a:fld id="{09269806-7F87-4C76-B288-F90ED5BB92A3}" type="datetimeFigureOut">
               <a:rPr lang="en-CA" smtClean="0"/>
-              <a:t>11/18/2020</a:t>
+              <a:t>11/14/2020</a:t>
             </a:fld>
             <a:endParaRPr lang="en-CA"/>
           </a:p>
@@ -3394,7 +3394,7 @@
           <a:p>
             <a:fld id="{09269806-7F87-4C76-B288-F90ED5BB92A3}" type="datetimeFigureOut">
               <a:rPr lang="en-CA" smtClean="0"/>
-              <a:t>11/18/2020</a:t>
+              <a:t>11/14/2020</a:t>
             </a:fld>
             <a:endParaRPr lang="en-CA"/>
           </a:p>
@@ -3641,7 +3641,7 @@
           <a:p>
             <a:fld id="{09269806-7F87-4C76-B288-F90ED5BB92A3}" type="datetimeFigureOut">
               <a:rPr lang="en-CA" smtClean="0"/>
-              <a:t>11/18/2020</a:t>
+              <a:t>11/14/2020</a:t>
             </a:fld>
             <a:endParaRPr lang="en-CA"/>
           </a:p>
@@ -3933,7 +3933,7 @@
           <a:p>
             <a:fld id="{09269806-7F87-4C76-B288-F90ED5BB92A3}" type="datetimeFigureOut">
               <a:rPr lang="en-CA" smtClean="0"/>
-              <a:t>11/18/2020</a:t>
+              <a:t>11/14/2020</a:t>
             </a:fld>
             <a:endParaRPr lang="en-CA"/>
           </a:p>
@@ -4377,7 +4377,7 @@
           <a:p>
             <a:fld id="{09269806-7F87-4C76-B288-F90ED5BB92A3}" type="datetimeFigureOut">
               <a:rPr lang="en-CA" smtClean="0"/>
-              <a:t>11/18/2020</a:t>
+              <a:t>11/14/2020</a:t>
             </a:fld>
             <a:endParaRPr lang="en-CA"/>
           </a:p>
@@ -4495,7 +4495,7 @@
           <a:p>
             <a:fld id="{09269806-7F87-4C76-B288-F90ED5BB92A3}" type="datetimeFigureOut">
               <a:rPr lang="en-CA" smtClean="0"/>
-              <a:t>11/18/2020</a:t>
+              <a:t>11/14/2020</a:t>
             </a:fld>
             <a:endParaRPr lang="en-CA"/>
           </a:p>
@@ -4590,7 +4590,7 @@
           <a:p>
             <a:fld id="{09269806-7F87-4C76-B288-F90ED5BB92A3}" type="datetimeFigureOut">
               <a:rPr lang="en-CA" smtClean="0"/>
-              <a:t>11/18/2020</a:t>
+              <a:t>11/14/2020</a:t>
             </a:fld>
             <a:endParaRPr lang="en-CA"/>
           </a:p>
@@ -4869,7 +4869,7 @@
           <a:p>
             <a:fld id="{09269806-7F87-4C76-B288-F90ED5BB92A3}" type="datetimeFigureOut">
               <a:rPr lang="en-CA" smtClean="0"/>
-              <a:t>11/18/2020</a:t>
+              <a:t>11/14/2020</a:t>
             </a:fld>
             <a:endParaRPr lang="en-CA"/>
           </a:p>
@@ -5144,7 +5144,7 @@
           <a:p>
             <a:fld id="{09269806-7F87-4C76-B288-F90ED5BB92A3}" type="datetimeFigureOut">
               <a:rPr lang="en-CA" smtClean="0"/>
-              <a:t>11/18/2020</a:t>
+              <a:t>11/14/2020</a:t>
             </a:fld>
             <a:endParaRPr lang="en-CA"/>
           </a:p>
@@ -5573,7 +5573,7 @@
           <a:p>
             <a:fld id="{09269806-7F87-4C76-B288-F90ED5BB92A3}" type="datetimeFigureOut">
               <a:rPr lang="en-CA" smtClean="0"/>
-              <a:t>11/18/2020</a:t>
+              <a:t>11/14/2020</a:t>
             </a:fld>
             <a:endParaRPr lang="en-CA"/>
           </a:p>
@@ -6522,30 +6522,6 @@
 <file path=ppt/slides/slide11.xml><?xml version="1.0" encoding="utf-8"?>
 <p:sld xmlns:a="http://schemas.openxmlformats.org/drawingml/2006/main" xmlns:r="http://schemas.openxmlformats.org/officeDocument/2006/relationships" xmlns:p="http://schemas.openxmlformats.org/presentationml/2006/main">
   <p:cSld>
-    <p:bg>
-      <p:bgPr>
-        <a:blipFill rotWithShape="1">
-          <a:blip r:embed="rId2">
-            <a:duotone>
-              <a:schemeClr val="bg2">
-                <a:shade val="69000"/>
-                <a:hueMod val="108000"/>
-                <a:satMod val="164000"/>
-                <a:lumMod val="74000"/>
-              </a:schemeClr>
-              <a:schemeClr val="bg2">
-                <a:tint val="96000"/>
-                <a:hueMod val="88000"/>
-                <a:satMod val="140000"/>
-                <a:lumMod val="132000"/>
-              </a:schemeClr>
-            </a:duotone>
-          </a:blip>
-          <a:stretch/>
-        </a:blipFill>
-        <a:effectLst/>
-      </p:bgPr>
-    </p:bg>
     <p:spTree>
       <p:nvGrpSpPr>
         <p:cNvPr id="1" name=""/>
@@ -6576,16 +6552,9 @@
             <p:ph type="title"/>
           </p:nvPr>
         </p:nvSpPr>
-        <p:spPr>
-          <a:xfrm>
-            <a:off x="646111" y="452718"/>
-            <a:ext cx="9404723" cy="1400530"/>
-          </a:xfrm>
-        </p:spPr>
-        <p:txBody>
-          <a:bodyPr>
-            <a:normAutofit/>
-          </a:bodyPr>
+        <p:spPr/>
+        <p:txBody>
+          <a:bodyPr/>
           <a:lstStyle/>
           <a:p>
             <a:r>
@@ -6611,16 +6580,9 @@
             <p:ph idx="1"/>
           </p:nvPr>
         </p:nvSpPr>
-        <p:spPr>
-          <a:xfrm>
-            <a:off x="1103313" y="2052918"/>
-            <a:ext cx="3300836" cy="4195481"/>
-          </a:xfrm>
-        </p:spPr>
-        <p:txBody>
-          <a:bodyPr>
-            <a:normAutofit/>
-          </a:bodyPr>
+        <p:spPr/>
+        <p:txBody>
+          <a:bodyPr/>
           <a:lstStyle/>
           <a:p>
             <a:r>
@@ -6634,78 +6596,6 @@
           </a:p>
         </p:txBody>
       </p:sp>
-      <p:pic>
-        <p:nvPicPr>
-          <p:cNvPr id="4" name="Picture 3">
-            <a:extLst>
-              <a:ext uri="{FF2B5EF4-FFF2-40B4-BE49-F238E27FC236}">
-                <a16:creationId xmlns:a16="http://schemas.microsoft.com/office/drawing/2014/main" id="{5786F9B7-3813-40B7-AD5C-A40BF5A113F4}"/>
-              </a:ext>
-            </a:extLst>
-          </p:cNvPr>
-          <p:cNvPicPr>
-            <a:picLocks noChangeAspect="1"/>
-          </p:cNvPicPr>
-          <p:nvPr/>
-        </p:nvPicPr>
-        <p:blipFill rotWithShape="1">
-          <a:blip r:embed="rId3"/>
-          <a:srcRect r="1" b="6659"/>
-          <a:stretch/>
-        </p:blipFill>
-        <p:spPr>
-          <a:xfrm>
-            <a:off x="6311593" y="1239895"/>
-            <a:ext cx="2695025" cy="4637027"/>
-          </a:xfrm>
-          <a:prstGeom prst="rect">
-            <a:avLst/>
-          </a:prstGeom>
-          <a:effectLst>
-            <a:outerShdw blurRad="50800" dist="38100" dir="5400000" algn="t" rotWithShape="0">
-              <a:prstClr val="black">
-                <a:alpha val="43000"/>
-              </a:prstClr>
-            </a:outerShdw>
-          </a:effectLst>
-        </p:spPr>
-      </p:pic>
-      <p:pic>
-        <p:nvPicPr>
-          <p:cNvPr id="5" name="Picture 4">
-            <a:extLst>
-              <a:ext uri="{FF2B5EF4-FFF2-40B4-BE49-F238E27FC236}">
-                <a16:creationId xmlns:a16="http://schemas.microsoft.com/office/drawing/2014/main" id="{041691EE-D0B5-44B1-A6E7-337720F9EB41}"/>
-              </a:ext>
-            </a:extLst>
-          </p:cNvPr>
-          <p:cNvPicPr>
-            <a:picLocks noChangeAspect="1"/>
-          </p:cNvPicPr>
-          <p:nvPr/>
-        </p:nvPicPr>
-        <p:blipFill rotWithShape="1">
-          <a:blip r:embed="rId4"/>
-          <a:srcRect t="6601" r="-1" b="678"/>
-          <a:stretch/>
-        </p:blipFill>
-        <p:spPr>
-          <a:xfrm>
-            <a:off x="9186614" y="1239895"/>
-            <a:ext cx="2700585" cy="4637027"/>
-          </a:xfrm>
-          <a:prstGeom prst="rect">
-            <a:avLst/>
-          </a:prstGeom>
-          <a:effectLst>
-            <a:outerShdw blurRad="50800" dist="38100" dir="5400000" algn="t" rotWithShape="0">
-              <a:prstClr val="black">
-                <a:alpha val="43000"/>
-              </a:prstClr>
-            </a:outerShdw>
-          </a:effectLst>
-        </p:spPr>
-      </p:pic>
     </p:spTree>
     <p:extLst>
       <p:ext uri="{BB962C8B-B14F-4D97-AF65-F5344CB8AC3E}">

--- a/Milestone 2 Presentation.pptx
+++ b/Milestone 2 Presentation.pptx
@@ -308,7 +308,7 @@
           <a:p>
             <a:fld id="{09269806-7F87-4C76-B288-F90ED5BB92A3}" type="datetimeFigureOut">
               <a:rPr lang="en-CA" smtClean="0"/>
-              <a:t>11/14/2020</a:t>
+              <a:t>11/18/2020</a:t>
             </a:fld>
             <a:endParaRPr lang="en-CA"/>
           </a:p>
@@ -583,7 +583,7 @@
           <a:p>
             <a:fld id="{09269806-7F87-4C76-B288-F90ED5BB92A3}" type="datetimeFigureOut">
               <a:rPr lang="en-CA" smtClean="0"/>
-              <a:t>11/14/2020</a:t>
+              <a:t>11/18/2020</a:t>
             </a:fld>
             <a:endParaRPr lang="en-CA"/>
           </a:p>
@@ -777,7 +777,7 @@
           <a:p>
             <a:fld id="{09269806-7F87-4C76-B288-F90ED5BB92A3}" type="datetimeFigureOut">
               <a:rPr lang="en-CA" smtClean="0"/>
-              <a:t>11/14/2020</a:t>
+              <a:t>11/18/2020</a:t>
             </a:fld>
             <a:endParaRPr lang="en-CA"/>
           </a:p>
@@ -1050,7 +1050,7 @@
           <a:p>
             <a:fld id="{09269806-7F87-4C76-B288-F90ED5BB92A3}" type="datetimeFigureOut">
               <a:rPr lang="en-CA" smtClean="0"/>
-              <a:t>11/14/2020</a:t>
+              <a:t>11/18/2020</a:t>
             </a:fld>
             <a:endParaRPr lang="en-CA"/>
           </a:p>
@@ -1391,7 +1391,7 @@
           <a:p>
             <a:fld id="{09269806-7F87-4C76-B288-F90ED5BB92A3}" type="datetimeFigureOut">
               <a:rPr lang="en-CA" smtClean="0"/>
-              <a:t>11/14/2020</a:t>
+              <a:t>11/18/2020</a:t>
             </a:fld>
             <a:endParaRPr lang="en-CA"/>
           </a:p>
@@ -2014,7 +2014,7 @@
           <a:p>
             <a:fld id="{09269806-7F87-4C76-B288-F90ED5BB92A3}" type="datetimeFigureOut">
               <a:rPr lang="en-CA" smtClean="0"/>
-              <a:t>11/14/2020</a:t>
+              <a:t>11/18/2020</a:t>
             </a:fld>
             <a:endParaRPr lang="en-CA"/>
           </a:p>
@@ -2874,7 +2874,7 @@
           <a:p>
             <a:fld id="{09269806-7F87-4C76-B288-F90ED5BB92A3}" type="datetimeFigureOut">
               <a:rPr lang="en-CA" smtClean="0"/>
-              <a:t>11/14/2020</a:t>
+              <a:t>11/18/2020</a:t>
             </a:fld>
             <a:endParaRPr lang="en-CA"/>
           </a:p>
@@ -3044,7 +3044,7 @@
           <a:p>
             <a:fld id="{09269806-7F87-4C76-B288-F90ED5BB92A3}" type="datetimeFigureOut">
               <a:rPr lang="en-CA" smtClean="0"/>
-              <a:t>11/14/2020</a:t>
+              <a:t>11/18/2020</a:t>
             </a:fld>
             <a:endParaRPr lang="en-CA"/>
           </a:p>
@@ -3224,7 +3224,7 @@
           <a:p>
             <a:fld id="{09269806-7F87-4C76-B288-F90ED5BB92A3}" type="datetimeFigureOut">
               <a:rPr lang="en-CA" smtClean="0"/>
-              <a:t>11/14/2020</a:t>
+              <a:t>11/18/2020</a:t>
             </a:fld>
             <a:endParaRPr lang="en-CA"/>
           </a:p>
@@ -3394,7 +3394,7 @@
           <a:p>
             <a:fld id="{09269806-7F87-4C76-B288-F90ED5BB92A3}" type="datetimeFigureOut">
               <a:rPr lang="en-CA" smtClean="0"/>
-              <a:t>11/14/2020</a:t>
+              <a:t>11/18/2020</a:t>
             </a:fld>
             <a:endParaRPr lang="en-CA"/>
           </a:p>
@@ -3641,7 +3641,7 @@
           <a:p>
             <a:fld id="{09269806-7F87-4C76-B288-F90ED5BB92A3}" type="datetimeFigureOut">
               <a:rPr lang="en-CA" smtClean="0"/>
-              <a:t>11/14/2020</a:t>
+              <a:t>11/18/2020</a:t>
             </a:fld>
             <a:endParaRPr lang="en-CA"/>
           </a:p>
@@ -3933,7 +3933,7 @@
           <a:p>
             <a:fld id="{09269806-7F87-4C76-B288-F90ED5BB92A3}" type="datetimeFigureOut">
               <a:rPr lang="en-CA" smtClean="0"/>
-              <a:t>11/14/2020</a:t>
+              <a:t>11/18/2020</a:t>
             </a:fld>
             <a:endParaRPr lang="en-CA"/>
           </a:p>
@@ -4377,7 +4377,7 @@
           <a:p>
             <a:fld id="{09269806-7F87-4C76-B288-F90ED5BB92A3}" type="datetimeFigureOut">
               <a:rPr lang="en-CA" smtClean="0"/>
-              <a:t>11/14/2020</a:t>
+              <a:t>11/18/2020</a:t>
             </a:fld>
             <a:endParaRPr lang="en-CA"/>
           </a:p>
@@ -4495,7 +4495,7 @@
           <a:p>
             <a:fld id="{09269806-7F87-4C76-B288-F90ED5BB92A3}" type="datetimeFigureOut">
               <a:rPr lang="en-CA" smtClean="0"/>
-              <a:t>11/14/2020</a:t>
+              <a:t>11/18/2020</a:t>
             </a:fld>
             <a:endParaRPr lang="en-CA"/>
           </a:p>
@@ -4590,7 +4590,7 @@
           <a:p>
             <a:fld id="{09269806-7F87-4C76-B288-F90ED5BB92A3}" type="datetimeFigureOut">
               <a:rPr lang="en-CA" smtClean="0"/>
-              <a:t>11/14/2020</a:t>
+              <a:t>11/18/2020</a:t>
             </a:fld>
             <a:endParaRPr lang="en-CA"/>
           </a:p>
@@ -4869,7 +4869,7 @@
           <a:p>
             <a:fld id="{09269806-7F87-4C76-B288-F90ED5BB92A3}" type="datetimeFigureOut">
               <a:rPr lang="en-CA" smtClean="0"/>
-              <a:t>11/14/2020</a:t>
+              <a:t>11/18/2020</a:t>
             </a:fld>
             <a:endParaRPr lang="en-CA"/>
           </a:p>
@@ -5144,7 +5144,7 @@
           <a:p>
             <a:fld id="{09269806-7F87-4C76-B288-F90ED5BB92A3}" type="datetimeFigureOut">
               <a:rPr lang="en-CA" smtClean="0"/>
-              <a:t>11/14/2020</a:t>
+              <a:t>11/18/2020</a:t>
             </a:fld>
             <a:endParaRPr lang="en-CA"/>
           </a:p>
@@ -5573,7 +5573,7 @@
           <a:p>
             <a:fld id="{09269806-7F87-4C76-B288-F90ED5BB92A3}" type="datetimeFigureOut">
               <a:rPr lang="en-CA" smtClean="0"/>
-              <a:t>11/14/2020</a:t>
+              <a:t>11/18/2020</a:t>
             </a:fld>
             <a:endParaRPr lang="en-CA"/>
           </a:p>
@@ -6522,6 +6522,30 @@
 <file path=ppt/slides/slide11.xml><?xml version="1.0" encoding="utf-8"?>
 <p:sld xmlns:a="http://schemas.openxmlformats.org/drawingml/2006/main" xmlns:r="http://schemas.openxmlformats.org/officeDocument/2006/relationships" xmlns:p="http://schemas.openxmlformats.org/presentationml/2006/main">
   <p:cSld>
+    <p:bg>
+      <p:bgPr>
+        <a:blipFill rotWithShape="1">
+          <a:blip r:embed="rId2">
+            <a:duotone>
+              <a:schemeClr val="bg2">
+                <a:shade val="69000"/>
+                <a:hueMod val="108000"/>
+                <a:satMod val="164000"/>
+                <a:lumMod val="74000"/>
+              </a:schemeClr>
+              <a:schemeClr val="bg2">
+                <a:tint val="96000"/>
+                <a:hueMod val="88000"/>
+                <a:satMod val="140000"/>
+                <a:lumMod val="132000"/>
+              </a:schemeClr>
+            </a:duotone>
+          </a:blip>
+          <a:stretch/>
+        </a:blipFill>
+        <a:effectLst/>
+      </p:bgPr>
+    </p:bg>
     <p:spTree>
       <p:nvGrpSpPr>
         <p:cNvPr id="1" name=""/>
@@ -6552,9 +6576,16 @@
             <p:ph type="title"/>
           </p:nvPr>
         </p:nvSpPr>
-        <p:spPr/>
-        <p:txBody>
-          <a:bodyPr/>
+        <p:spPr>
+          <a:xfrm>
+            <a:off x="646111" y="609601"/>
+            <a:ext cx="3325731" cy="1675975"/>
+          </a:xfrm>
+        </p:spPr>
+        <p:txBody>
+          <a:bodyPr>
+            <a:normAutofit/>
+          </a:bodyPr>
           <a:lstStyle/>
           <a:p>
             <a:r>
@@ -6563,6 +6594,131 @@
             </a:r>
           </a:p>
         </p:txBody>
+      </p:sp>
+      <p:pic>
+        <p:nvPicPr>
+          <p:cNvPr id="5" name="Picture 4">
+            <a:extLst>
+              <a:ext uri="{FF2B5EF4-FFF2-40B4-BE49-F238E27FC236}">
+                <a16:creationId xmlns:a16="http://schemas.microsoft.com/office/drawing/2014/main" id="{FFAE8358-78EA-4654-BFDA-8EE5011EC6EA}"/>
+              </a:ext>
+            </a:extLst>
+          </p:cNvPr>
+          <p:cNvPicPr>
+            <a:picLocks noChangeAspect="1"/>
+          </p:cNvPicPr>
+          <p:nvPr/>
+        </p:nvPicPr>
+        <p:blipFill rotWithShape="1">
+          <a:blip r:embed="rId3"/>
+          <a:srcRect t="4312" r="-2" b="5125"/>
+          <a:stretch/>
+        </p:blipFill>
+        <p:spPr>
+          <a:xfrm>
+            <a:off x="4613644" y="609368"/>
+            <a:ext cx="3409037" cy="5638797"/>
+          </a:xfrm>
+          <a:prstGeom prst="rect">
+            <a:avLst/>
+          </a:prstGeom>
+          <a:effectLst>
+            <a:outerShdw blurRad="50800" dist="38100" dir="5400000" algn="t" rotWithShape="0">
+              <a:prstClr val="black">
+                <a:alpha val="43000"/>
+              </a:prstClr>
+            </a:outerShdw>
+          </a:effectLst>
+        </p:spPr>
+      </p:pic>
+      <p:pic>
+        <p:nvPicPr>
+          <p:cNvPr id="4" name="Picture 3">
+            <a:extLst>
+              <a:ext uri="{FF2B5EF4-FFF2-40B4-BE49-F238E27FC236}">
+                <a16:creationId xmlns:a16="http://schemas.microsoft.com/office/drawing/2014/main" id="{913A853F-AC2E-48FE-B5BC-AB0D50AE4DD3}"/>
+              </a:ext>
+            </a:extLst>
+          </p:cNvPr>
+          <p:cNvPicPr>
+            <a:picLocks noChangeAspect="1"/>
+          </p:cNvPicPr>
+          <p:nvPr/>
+        </p:nvPicPr>
+        <p:blipFill rotWithShape="1">
+          <a:blip r:embed="rId4"/>
+          <a:srcRect t="1865" r="-2" b="7573"/>
+          <a:stretch/>
+        </p:blipFill>
+        <p:spPr>
+          <a:xfrm>
+            <a:off x="8135262" y="609601"/>
+            <a:ext cx="3409037" cy="5638797"/>
+          </a:xfrm>
+          <a:prstGeom prst="rect">
+            <a:avLst/>
+          </a:prstGeom>
+          <a:effectLst>
+            <a:outerShdw blurRad="50800" dist="38100" dir="5400000" algn="t" rotWithShape="0">
+              <a:prstClr val="black">
+                <a:alpha val="43000"/>
+              </a:prstClr>
+            </a:outerShdw>
+          </a:effectLst>
+        </p:spPr>
+      </p:pic>
+      <p:sp>
+        <p:nvSpPr>
+          <p:cNvPr id="10" name="Rectangle 9">
+            <a:extLst>
+              <a:ext uri="{FF2B5EF4-FFF2-40B4-BE49-F238E27FC236}">
+                <a16:creationId xmlns:a16="http://schemas.microsoft.com/office/drawing/2014/main" id="{B54E2689-26D4-44B0-9175-57BD88CF2849}"/>
+              </a:ext>
+              <a:ext uri="{C183D7F6-B498-43B3-948B-1728B52AA6E4}">
+                <adec:decorative xmlns:adec="http://schemas.microsoft.com/office/drawing/2017/decorative" val="1"/>
+              </a:ext>
+            </a:extLst>
+          </p:cNvPr>
+          <p:cNvSpPr>
+            <a:spLocks noGrp="1" noRot="1" noChangeAspect="1" noMove="1" noResize="1" noEditPoints="1" noAdjustHandles="1" noChangeArrowheads="1" noChangeShapeType="1" noTextEdit="1"/>
+          </p:cNvSpPr>
+          <p:nvPr>
+            <p:extLst>
+              <p:ext uri="{386F3935-93C4-4BCD-93E2-E3B085C9AB24}">
+                <p16:designElem xmlns:p16="http://schemas.microsoft.com/office/powerpoint/2015/main" val="1"/>
+              </p:ext>
+            </p:extLst>
+          </p:nvPr>
+        </p:nvSpPr>
+        <p:spPr>
+          <a:xfrm>
+            <a:off x="10437812" y="0"/>
+            <a:ext cx="685800" cy="1143000"/>
+          </a:xfrm>
+          <a:prstGeom prst="rect">
+            <a:avLst/>
+          </a:prstGeom>
+          <a:solidFill>
+            <a:schemeClr val="accent1"/>
+          </a:solidFill>
+          <a:ln>
+            <a:noFill/>
+          </a:ln>
+        </p:spPr>
+        <p:style>
+          <a:lnRef idx="1">
+            <a:schemeClr val="accent1"/>
+          </a:lnRef>
+          <a:fillRef idx="3">
+            <a:schemeClr val="accent1"/>
+          </a:fillRef>
+          <a:effectRef idx="2">
+            <a:schemeClr val="accent1"/>
+          </a:effectRef>
+          <a:fontRef idx="minor">
+            <a:schemeClr val="lt1"/>
+          </a:fontRef>
+        </p:style>
       </p:sp>
       <p:sp>
         <p:nvSpPr>
@@ -6580,9 +6736,16 @@
             <p:ph idx="1"/>
           </p:nvPr>
         </p:nvSpPr>
-        <p:spPr/>
-        <p:txBody>
-          <a:bodyPr/>
+        <p:spPr>
+          <a:xfrm>
+            <a:off x="642176" y="2484544"/>
+            <a:ext cx="3329666" cy="3763855"/>
+          </a:xfrm>
+        </p:spPr>
+        <p:txBody>
+          <a:bodyPr>
+            <a:normAutofit/>
+          </a:bodyPr>
           <a:lstStyle/>
           <a:p>
             <a:r>

--- a/Milestone 2 Presentation.pptx
+++ b/Milestone 2 Presentation.pptx
@@ -6363,8 +6363,8 @@
         </p:nvSpPr>
         <p:spPr>
           <a:xfrm>
-            <a:off x="648929" y="629266"/>
-            <a:ext cx="6831941" cy="1641987"/>
+            <a:off x="646111" y="609601"/>
+            <a:ext cx="3325731" cy="1675975"/>
           </a:xfrm>
         </p:spPr>
         <p:txBody>
@@ -6397,13 +6397,13 @@
         </p:nvPicPr>
         <p:blipFill rotWithShape="1">
           <a:blip r:embed="rId3"/>
-          <a:srcRect r="3" b="10824"/>
+          <a:srcRect r="3" b="10682"/>
           <a:stretch/>
         </p:blipFill>
         <p:spPr>
           <a:xfrm>
-            <a:off x="8675302" y="1143000"/>
-            <a:ext cx="3091441" cy="5105398"/>
+            <a:off x="4613644" y="609368"/>
+            <a:ext cx="3409037" cy="5638797"/>
           </a:xfrm>
           <a:prstGeom prst="rect">
             <a:avLst/>
@@ -6417,12 +6417,48 @@
           </a:effectLst>
         </p:spPr>
       </p:pic>
-      <p:sp>
-        <p:nvSpPr>
-          <p:cNvPr id="17" name="Rectangle 8">
+      <p:pic>
+        <p:nvPicPr>
+          <p:cNvPr id="5" name="Picture 4">
             <a:extLst>
               <a:ext uri="{FF2B5EF4-FFF2-40B4-BE49-F238E27FC236}">
-                <a16:creationId xmlns:a16="http://schemas.microsoft.com/office/drawing/2014/main" id="{809E3E1B-C8AD-46FD-8A76-75D5BBD774E2}"/>
+                <a16:creationId xmlns:a16="http://schemas.microsoft.com/office/drawing/2014/main" id="{15A0B1C0-C5A4-400F-9C4D-546CB31362C5}"/>
+              </a:ext>
+            </a:extLst>
+          </p:cNvPr>
+          <p:cNvPicPr>
+            <a:picLocks noChangeAspect="1"/>
+          </p:cNvPicPr>
+          <p:nvPr/>
+        </p:nvPicPr>
+        <p:blipFill rotWithShape="1">
+          <a:blip r:embed="rId4"/>
+          <a:srcRect t="4906" b="6601"/>
+          <a:stretch/>
+        </p:blipFill>
+        <p:spPr>
+          <a:xfrm>
+            <a:off x="8135262" y="609601"/>
+            <a:ext cx="3409037" cy="5638797"/>
+          </a:xfrm>
+          <a:prstGeom prst="rect">
+            <a:avLst/>
+          </a:prstGeom>
+          <a:effectLst>
+            <a:outerShdw blurRad="50800" dist="38100" dir="5400000" algn="t" rotWithShape="0">
+              <a:prstClr val="black">
+                <a:alpha val="43000"/>
+              </a:prstClr>
+            </a:outerShdw>
+          </a:effectLst>
+        </p:spPr>
+      </p:pic>
+      <p:sp>
+        <p:nvSpPr>
+          <p:cNvPr id="22" name="Rectangle 21">
+            <a:extLst>
+              <a:ext uri="{FF2B5EF4-FFF2-40B4-BE49-F238E27FC236}">
+                <a16:creationId xmlns:a16="http://schemas.microsoft.com/office/drawing/2014/main" id="{B54E2689-26D4-44B0-9175-57BD88CF2849}"/>
               </a:ext>
               <a:ext uri="{C183D7F6-B498-43B3-948B-1728B52AA6E4}">
                 <adec:decorative xmlns:adec="http://schemas.microsoft.com/office/drawing/2017/decorative" val="1"/>
@@ -6442,7 +6478,7 @@
         </p:nvSpPr>
         <p:spPr>
           <a:xfrm>
-            <a:off x="10442448" y="0"/>
+            <a:off x="10437812" y="0"/>
             <a:ext cx="685800" cy="1143000"/>
           </a:xfrm>
           <a:prstGeom prst="rect">
@@ -6488,21 +6524,38 @@
         </p:nvSpPr>
         <p:spPr>
           <a:xfrm>
-            <a:off x="647700" y="2438401"/>
-            <a:ext cx="6834468" cy="3809998"/>
+            <a:off x="642176" y="2484544"/>
+            <a:ext cx="3329666" cy="3763855"/>
           </a:xfrm>
         </p:spPr>
         <p:txBody>
           <a:bodyPr>
-            <a:normAutofit/>
+            <a:normAutofit fontScale="92500" lnSpcReduction="20000"/>
           </a:bodyPr>
           <a:lstStyle/>
           <a:p>
-            <a:r>
-              <a:rPr lang="en-CA"/>
-              <a:t>Send FeedBack Screen: On this screen user will be able to type in any requests about the issues they encountered and improvements they wish to see in our application. Once user filled in the fields and press on submit they will be directed to their email application to review the email and send it to us.</a:t>
-            </a:r>
-            <a:endParaRPr lang="en-CA" dirty="0"/>
+            <a:pPr>
+              <a:lnSpc>
+                <a:spcPct val="90000"/>
+              </a:lnSpc>
+            </a:pPr>
+            <a:r>
+              <a:rPr lang="en-CA" sz="1700" dirty="0"/>
+              <a:t>Send </a:t>
+            </a:r>
+            <a:r>
+              <a:rPr lang="en-CA" sz="1700" dirty="0" err="1"/>
+              <a:t>FeedBack</a:t>
+            </a:r>
+            <a:r>
+              <a:rPr lang="en-CA" sz="1700" dirty="0"/>
+              <a:t> Screen: On this screen user will be able to type in any requests about the issues they encountered and improvements they wish to see in our application. Once user filled in the fields and press on submit they will be directed to their email application to review the email and send it to us. User will be asked permission to access some data from their that went wrong or caused an issue before submitting the feedback. After the user agrees it will open their default set Email application to send us their feedback </a:t>
+            </a:r>
+            <a:r>
+              <a:rPr lang="en-CA" sz="1700"/>
+              <a:t>via Email.</a:t>
+            </a:r>
+            <a:endParaRPr lang="en-CA" sz="1700" dirty="0"/>
           </a:p>
         </p:txBody>
       </p:sp>
